--- a/Robot Framework Introduction.pptx
+++ b/Robot Framework Introduction.pptx
@@ -9311,8 +9311,8 @@
         </p:nvSpPr>
         <p:spPr>
           <a:xfrm>
-            <a:off x="1066800" y="886691"/>
-            <a:ext cx="9372600" cy="926536"/>
+            <a:off x="512618" y="858982"/>
+            <a:ext cx="3592225" cy="969496"/>
           </a:xfrm>
           <a:prstGeom prst="rect">
             <a:avLst/>
@@ -9477,7 +9477,7 @@
         </p:blipFill>
         <p:spPr>
           <a:xfrm>
-            <a:off x="2084676" y="1432214"/>
+            <a:off x="4157333" y="1551289"/>
             <a:ext cx="7530380" cy="4588046"/>
           </a:xfrm>
           <a:prstGeom prst="rect">
@@ -9485,6 +9485,466 @@
           </a:prstGeom>
         </p:spPr>
       </p:pic>
+      <p:cxnSp>
+        <p:nvCxnSpPr>
+          <p:cNvPr id="6" name="直線單箭頭接點 5"/>
+          <p:cNvCxnSpPr/>
+          <p:nvPr/>
+        </p:nvCxnSpPr>
+        <p:spPr bwMode="auto">
+          <a:xfrm>
+            <a:off x="2308730" y="1885305"/>
+            <a:ext cx="1958470" cy="722714"/>
+          </a:xfrm>
+          <a:prstGeom prst="straightConnector1">
+            <a:avLst/>
+          </a:prstGeom>
+          <a:ln>
+            <a:headEnd type="none" w="med" len="med"/>
+            <a:tailEnd type="triangle"/>
+          </a:ln>
+          <a:extLst/>
+        </p:spPr>
+        <p:style>
+          <a:lnRef idx="3">
+            <a:schemeClr val="accent2"/>
+          </a:lnRef>
+          <a:fillRef idx="0">
+            <a:schemeClr val="accent2"/>
+          </a:fillRef>
+          <a:effectRef idx="2">
+            <a:schemeClr val="accent2"/>
+          </a:effectRef>
+          <a:fontRef idx="minor">
+            <a:schemeClr val="tx1"/>
+          </a:fontRef>
+        </p:style>
+      </p:cxnSp>
+      <p:sp>
+        <p:nvSpPr>
+          <p:cNvPr id="8" name="文字方塊 7"/>
+          <p:cNvSpPr txBox="1"/>
+          <p:nvPr/>
+        </p:nvSpPr>
+        <p:spPr>
+          <a:xfrm>
+            <a:off x="772440" y="1662563"/>
+            <a:ext cx="1898072" cy="338554"/>
+          </a:xfrm>
+          <a:prstGeom prst="rect">
+            <a:avLst/>
+          </a:prstGeom>
+          <a:noFill/>
+        </p:spPr>
+        <p:txBody>
+          <a:bodyPr wrap="square" rtlCol="0">
+            <a:spAutoFit/>
+          </a:bodyPr>
+          <a:lstStyle/>
+          <a:p>
+            <a:r>
+              <a:rPr lang="en-US" altLang="zh-TW" sz="1600" dirty="0" smtClean="0">
+                <a:solidFill>
+                  <a:schemeClr val="bg2">
+                    <a:lumMod val="50000"/>
+                  </a:schemeClr>
+                </a:solidFill>
+              </a:rPr>
+              <a:t>Criteria Define</a:t>
+            </a:r>
+            <a:endParaRPr lang="zh-TW" altLang="en-US" sz="1600" dirty="0"/>
+          </a:p>
+        </p:txBody>
+      </p:sp>
+      <p:cxnSp>
+        <p:nvCxnSpPr>
+          <p:cNvPr id="10" name="直線單箭頭接點 9"/>
+          <p:cNvCxnSpPr/>
+          <p:nvPr/>
+        </p:nvCxnSpPr>
+        <p:spPr bwMode="auto">
+          <a:xfrm flipV="1">
+            <a:off x="2331021" y="3347055"/>
+            <a:ext cx="1926762" cy="105816"/>
+          </a:xfrm>
+          <a:prstGeom prst="straightConnector1">
+            <a:avLst/>
+          </a:prstGeom>
+          <a:ln>
+            <a:headEnd type="none" w="med" len="med"/>
+            <a:tailEnd type="triangle"/>
+          </a:ln>
+          <a:extLst/>
+        </p:spPr>
+        <p:style>
+          <a:lnRef idx="3">
+            <a:schemeClr val="accent2"/>
+          </a:lnRef>
+          <a:fillRef idx="0">
+            <a:schemeClr val="accent2"/>
+          </a:fillRef>
+          <a:effectRef idx="2">
+            <a:schemeClr val="accent2"/>
+          </a:effectRef>
+          <a:fontRef idx="minor">
+            <a:schemeClr val="tx1"/>
+          </a:fontRef>
+        </p:style>
+      </p:cxnSp>
+      <p:sp>
+        <p:nvSpPr>
+          <p:cNvPr id="11" name="文字方塊 10"/>
+          <p:cNvSpPr txBox="1"/>
+          <p:nvPr/>
+        </p:nvSpPr>
+        <p:spPr>
+          <a:xfrm>
+            <a:off x="772440" y="3317867"/>
+            <a:ext cx="1898072" cy="338554"/>
+          </a:xfrm>
+          <a:prstGeom prst="rect">
+            <a:avLst/>
+          </a:prstGeom>
+          <a:noFill/>
+        </p:spPr>
+        <p:txBody>
+          <a:bodyPr wrap="square" rtlCol="0">
+            <a:spAutoFit/>
+          </a:bodyPr>
+          <a:lstStyle/>
+          <a:p>
+            <a:r>
+              <a:rPr lang="en-US" altLang="zh-TW" sz="1600" dirty="0">
+                <a:solidFill>
+                  <a:schemeClr val="bg2">
+                    <a:lumMod val="50000"/>
+                  </a:schemeClr>
+                </a:solidFill>
+              </a:rPr>
+              <a:t>Test Case D</a:t>
+            </a:r>
+            <a:r>
+              <a:rPr lang="en-US" altLang="zh-TW" sz="1600" dirty="0" smtClean="0">
+                <a:solidFill>
+                  <a:schemeClr val="bg2">
+                    <a:lumMod val="50000"/>
+                  </a:schemeClr>
+                </a:solidFill>
+              </a:rPr>
+              <a:t>efine</a:t>
+            </a:r>
+            <a:endParaRPr lang="zh-TW" altLang="en-US" sz="1600" dirty="0">
+              <a:solidFill>
+                <a:schemeClr val="bg2">
+                  <a:lumMod val="50000"/>
+                </a:schemeClr>
+              </a:solidFill>
+            </a:endParaRPr>
+          </a:p>
+        </p:txBody>
+      </p:sp>
+      <p:cxnSp>
+        <p:nvCxnSpPr>
+          <p:cNvPr id="14" name="直線單箭頭接點 13"/>
+          <p:cNvCxnSpPr/>
+          <p:nvPr/>
+        </p:nvCxnSpPr>
+        <p:spPr bwMode="auto">
+          <a:xfrm>
+            <a:off x="2308730" y="2723400"/>
+            <a:ext cx="1958470" cy="89072"/>
+          </a:xfrm>
+          <a:prstGeom prst="straightConnector1">
+            <a:avLst/>
+          </a:prstGeom>
+          <a:ln>
+            <a:headEnd type="none" w="med" len="med"/>
+            <a:tailEnd type="triangle"/>
+          </a:ln>
+          <a:extLst/>
+        </p:spPr>
+        <p:style>
+          <a:lnRef idx="3">
+            <a:schemeClr val="accent2"/>
+          </a:lnRef>
+          <a:fillRef idx="0">
+            <a:schemeClr val="accent2"/>
+          </a:fillRef>
+          <a:effectRef idx="2">
+            <a:schemeClr val="accent2"/>
+          </a:effectRef>
+          <a:fontRef idx="minor">
+            <a:schemeClr val="tx1"/>
+          </a:fontRef>
+        </p:style>
+      </p:cxnSp>
+      <p:sp>
+        <p:nvSpPr>
+          <p:cNvPr id="20" name="文字方塊 19"/>
+          <p:cNvSpPr txBox="1"/>
+          <p:nvPr/>
+        </p:nvSpPr>
+        <p:spPr>
+          <a:xfrm>
+            <a:off x="772440" y="2495569"/>
+            <a:ext cx="1898072" cy="338554"/>
+          </a:xfrm>
+          <a:prstGeom prst="rect">
+            <a:avLst/>
+          </a:prstGeom>
+          <a:noFill/>
+        </p:spPr>
+        <p:txBody>
+          <a:bodyPr wrap="square" rtlCol="0">
+            <a:spAutoFit/>
+          </a:bodyPr>
+          <a:lstStyle/>
+          <a:p>
+            <a:r>
+              <a:rPr lang="en-US" altLang="zh-TW" sz="1600" dirty="0" smtClean="0">
+                <a:solidFill>
+                  <a:schemeClr val="bg2">
+                    <a:lumMod val="50000"/>
+                  </a:schemeClr>
+                </a:solidFill>
+              </a:rPr>
+              <a:t>Web Driver</a:t>
+            </a:r>
+            <a:endParaRPr lang="zh-TW" altLang="en-US" sz="1600" dirty="0"/>
+          </a:p>
+        </p:txBody>
+      </p:sp>
+      <p:cxnSp>
+        <p:nvCxnSpPr>
+          <p:cNvPr id="21" name="直線單箭頭接點 20"/>
+          <p:cNvCxnSpPr/>
+          <p:nvPr/>
+        </p:nvCxnSpPr>
+        <p:spPr bwMode="auto">
+          <a:xfrm flipV="1">
+            <a:off x="2269884" y="3845314"/>
+            <a:ext cx="1965141" cy="338897"/>
+          </a:xfrm>
+          <a:prstGeom prst="straightConnector1">
+            <a:avLst/>
+          </a:prstGeom>
+          <a:ln>
+            <a:headEnd type="none" w="med" len="med"/>
+            <a:tailEnd type="triangle"/>
+          </a:ln>
+          <a:extLst/>
+        </p:spPr>
+        <p:style>
+          <a:lnRef idx="3">
+            <a:schemeClr val="accent2"/>
+          </a:lnRef>
+          <a:fillRef idx="0">
+            <a:schemeClr val="accent2"/>
+          </a:fillRef>
+          <a:effectRef idx="2">
+            <a:schemeClr val="accent2"/>
+          </a:effectRef>
+          <a:fontRef idx="minor">
+            <a:schemeClr val="tx1"/>
+          </a:fontRef>
+        </p:style>
+      </p:cxnSp>
+      <p:sp>
+        <p:nvSpPr>
+          <p:cNvPr id="27" name="文字方塊 26"/>
+          <p:cNvSpPr txBox="1"/>
+          <p:nvPr/>
+        </p:nvSpPr>
+        <p:spPr>
+          <a:xfrm>
+            <a:off x="772440" y="4059616"/>
+            <a:ext cx="1898072" cy="338554"/>
+          </a:xfrm>
+          <a:prstGeom prst="rect">
+            <a:avLst/>
+          </a:prstGeom>
+          <a:noFill/>
+        </p:spPr>
+        <p:txBody>
+          <a:bodyPr wrap="square" rtlCol="0">
+            <a:spAutoFit/>
+          </a:bodyPr>
+          <a:lstStyle/>
+          <a:p>
+            <a:r>
+              <a:rPr lang="en-US" altLang="zh-TW" sz="1600" dirty="0" smtClean="0">
+                <a:solidFill>
+                  <a:schemeClr val="bg2">
+                    <a:lumMod val="50000"/>
+                  </a:schemeClr>
+                </a:solidFill>
+              </a:rPr>
+              <a:t>Related Tool </a:t>
+            </a:r>
+            <a:endParaRPr lang="zh-TW" altLang="en-US" sz="1600" dirty="0">
+              <a:solidFill>
+                <a:schemeClr val="bg2">
+                  <a:lumMod val="50000"/>
+                </a:schemeClr>
+              </a:solidFill>
+            </a:endParaRPr>
+          </a:p>
+        </p:txBody>
+      </p:sp>
+      <p:cxnSp>
+        <p:nvCxnSpPr>
+          <p:cNvPr id="29" name="直線單箭頭接點 28"/>
+          <p:cNvCxnSpPr/>
+          <p:nvPr/>
+        </p:nvCxnSpPr>
+        <p:spPr bwMode="auto">
+          <a:xfrm flipV="1">
+            <a:off x="2324817" y="4486615"/>
+            <a:ext cx="1926295" cy="368546"/>
+          </a:xfrm>
+          <a:prstGeom prst="straightConnector1">
+            <a:avLst/>
+          </a:prstGeom>
+          <a:ln>
+            <a:headEnd type="none" w="med" len="med"/>
+            <a:tailEnd type="triangle"/>
+          </a:ln>
+          <a:extLst/>
+        </p:spPr>
+        <p:style>
+          <a:lnRef idx="3">
+            <a:schemeClr val="accent2"/>
+          </a:lnRef>
+          <a:fillRef idx="0">
+            <a:schemeClr val="accent2"/>
+          </a:fillRef>
+          <a:effectRef idx="2">
+            <a:schemeClr val="accent2"/>
+          </a:effectRef>
+          <a:fontRef idx="minor">
+            <a:schemeClr val="tx1"/>
+          </a:fontRef>
+        </p:style>
+      </p:cxnSp>
+      <p:sp>
+        <p:nvSpPr>
+          <p:cNvPr id="30" name="文字方塊 29"/>
+          <p:cNvSpPr txBox="1"/>
+          <p:nvPr/>
+        </p:nvSpPr>
+        <p:spPr>
+          <a:xfrm>
+            <a:off x="772440" y="4721418"/>
+            <a:ext cx="1898072" cy="338554"/>
+          </a:xfrm>
+          <a:prstGeom prst="rect">
+            <a:avLst/>
+          </a:prstGeom>
+          <a:noFill/>
+        </p:spPr>
+        <p:txBody>
+          <a:bodyPr wrap="square" rtlCol="0">
+            <a:spAutoFit/>
+          </a:bodyPr>
+          <a:lstStyle/>
+          <a:p>
+            <a:r>
+              <a:rPr lang="en-US" altLang="zh-TW" sz="1600" dirty="0" smtClean="0">
+                <a:solidFill>
+                  <a:schemeClr val="bg2">
+                    <a:lumMod val="50000"/>
+                  </a:schemeClr>
+                </a:solidFill>
+              </a:rPr>
+              <a:t>GUI Setup </a:t>
+            </a:r>
+            <a:endParaRPr lang="zh-TW" altLang="en-US" sz="1600" dirty="0">
+              <a:solidFill>
+                <a:schemeClr val="bg2">
+                  <a:lumMod val="50000"/>
+                </a:schemeClr>
+              </a:solidFill>
+            </a:endParaRPr>
+          </a:p>
+        </p:txBody>
+      </p:sp>
+      <p:cxnSp>
+        <p:nvCxnSpPr>
+          <p:cNvPr id="31" name="直線單箭頭接點 30"/>
+          <p:cNvCxnSpPr/>
+          <p:nvPr/>
+        </p:nvCxnSpPr>
+        <p:spPr bwMode="auto">
+          <a:xfrm flipV="1">
+            <a:off x="2324817" y="5069943"/>
+            <a:ext cx="1926295" cy="452408"/>
+          </a:xfrm>
+          <a:prstGeom prst="straightConnector1">
+            <a:avLst/>
+          </a:prstGeom>
+          <a:ln>
+            <a:headEnd type="none" w="med" len="med"/>
+            <a:tailEnd type="triangle"/>
+          </a:ln>
+          <a:extLst/>
+        </p:spPr>
+        <p:style>
+          <a:lnRef idx="3">
+            <a:schemeClr val="accent2"/>
+          </a:lnRef>
+          <a:fillRef idx="0">
+            <a:schemeClr val="accent2"/>
+          </a:fillRef>
+          <a:effectRef idx="2">
+            <a:schemeClr val="accent2"/>
+          </a:effectRef>
+          <a:fontRef idx="minor">
+            <a:schemeClr val="tx1"/>
+          </a:fontRef>
+        </p:style>
+      </p:cxnSp>
+      <p:sp>
+        <p:nvSpPr>
+          <p:cNvPr id="32" name="文字方塊 31"/>
+          <p:cNvSpPr txBox="1"/>
+          <p:nvPr/>
+        </p:nvSpPr>
+        <p:spPr>
+          <a:xfrm>
+            <a:off x="772440" y="5343995"/>
+            <a:ext cx="1898072" cy="338554"/>
+          </a:xfrm>
+          <a:prstGeom prst="rect">
+            <a:avLst/>
+          </a:prstGeom>
+          <a:noFill/>
+        </p:spPr>
+        <p:txBody>
+          <a:bodyPr wrap="square" rtlCol="0">
+            <a:spAutoFit/>
+          </a:bodyPr>
+          <a:lstStyle/>
+          <a:p>
+            <a:r>
+              <a:rPr lang="en-US" altLang="zh-TW" sz="1600" dirty="0" smtClean="0">
+                <a:solidFill>
+                  <a:schemeClr val="bg2">
+                    <a:lumMod val="50000"/>
+                  </a:schemeClr>
+                </a:solidFill>
+              </a:rPr>
+              <a:t>Test Report </a:t>
+            </a:r>
+            <a:endParaRPr lang="zh-TW" altLang="en-US" sz="1600" dirty="0">
+              <a:solidFill>
+                <a:schemeClr val="bg2">
+                  <a:lumMod val="50000"/>
+                </a:schemeClr>
+              </a:solidFill>
+            </a:endParaRPr>
+          </a:p>
+        </p:txBody>
+      </p:sp>
     </p:spTree>
     <p:extLst>
       <p:ext uri="{BB962C8B-B14F-4D97-AF65-F5344CB8AC3E}">
@@ -9569,8 +10029,8 @@
         </p:nvSpPr>
         <p:spPr>
           <a:xfrm>
-            <a:off x="581890" y="706438"/>
-            <a:ext cx="9372600" cy="553998"/>
+            <a:off x="531670" y="574866"/>
+            <a:ext cx="3079606" cy="553998"/>
           </a:xfrm>
           <a:prstGeom prst="rect">
             <a:avLst/>
@@ -9711,7 +10171,7 @@
         </p:blipFill>
         <p:spPr>
           <a:xfrm>
-            <a:off x="3728813" y="983437"/>
+            <a:off x="5335940" y="997291"/>
             <a:ext cx="6463161" cy="5429201"/>
           </a:xfrm>
           <a:prstGeom prst="rect">
@@ -9722,6 +10182,324 @@
           </a:effectLst>
         </p:spPr>
       </p:pic>
+      <p:cxnSp>
+        <p:nvCxnSpPr>
+          <p:cNvPr id="8" name="直線單箭頭接點 7"/>
+          <p:cNvCxnSpPr>
+            <a:stCxn id="15" idx="3"/>
+          </p:cNvCxnSpPr>
+          <p:nvPr/>
+        </p:nvCxnSpPr>
+        <p:spPr bwMode="auto">
+          <a:xfrm flipV="1">
+            <a:off x="2798618" y="1454179"/>
+            <a:ext cx="2357213" cy="296486"/>
+          </a:xfrm>
+          <a:prstGeom prst="straightConnector1">
+            <a:avLst/>
+          </a:prstGeom>
+          <a:ln>
+            <a:headEnd type="none" w="med" len="med"/>
+            <a:tailEnd type="triangle"/>
+          </a:ln>
+          <a:extLst/>
+        </p:spPr>
+        <p:style>
+          <a:lnRef idx="3">
+            <a:schemeClr val="accent2"/>
+          </a:lnRef>
+          <a:fillRef idx="0">
+            <a:schemeClr val="accent2"/>
+          </a:fillRef>
+          <a:effectRef idx="2">
+            <a:schemeClr val="accent2"/>
+          </a:effectRef>
+          <a:fontRef idx="minor">
+            <a:schemeClr val="tx1"/>
+          </a:fontRef>
+        </p:style>
+      </p:cxnSp>
+      <p:cxnSp>
+        <p:nvCxnSpPr>
+          <p:cNvPr id="9" name="直線單箭頭接點 8"/>
+          <p:cNvCxnSpPr/>
+          <p:nvPr/>
+        </p:nvCxnSpPr>
+        <p:spPr bwMode="auto">
+          <a:xfrm flipV="1">
+            <a:off x="2618509" y="1814435"/>
+            <a:ext cx="6608618" cy="850487"/>
+          </a:xfrm>
+          <a:prstGeom prst="straightConnector1">
+            <a:avLst/>
+          </a:prstGeom>
+          <a:ln>
+            <a:headEnd type="none" w="med" len="med"/>
+            <a:tailEnd type="triangle"/>
+          </a:ln>
+          <a:extLst/>
+        </p:spPr>
+        <p:style>
+          <a:lnRef idx="3">
+            <a:schemeClr val="accent2"/>
+          </a:lnRef>
+          <a:fillRef idx="0">
+            <a:schemeClr val="accent2"/>
+          </a:fillRef>
+          <a:effectRef idx="2">
+            <a:schemeClr val="accent2"/>
+          </a:effectRef>
+          <a:fontRef idx="minor">
+            <a:schemeClr val="tx1"/>
+          </a:fontRef>
+        </p:style>
+      </p:cxnSp>
+      <p:cxnSp>
+        <p:nvCxnSpPr>
+          <p:cNvPr id="11" name="直線單箭頭接點 10"/>
+          <p:cNvCxnSpPr/>
+          <p:nvPr/>
+        </p:nvCxnSpPr>
+        <p:spPr bwMode="auto">
+          <a:xfrm flipV="1">
+            <a:off x="3172691" y="3373338"/>
+            <a:ext cx="6054436" cy="762503"/>
+          </a:xfrm>
+          <a:prstGeom prst="straightConnector1">
+            <a:avLst/>
+          </a:prstGeom>
+          <a:ln>
+            <a:headEnd type="none" w="med" len="med"/>
+            <a:tailEnd type="triangle"/>
+          </a:ln>
+          <a:extLst/>
+        </p:spPr>
+        <p:style>
+          <a:lnRef idx="3">
+            <a:schemeClr val="accent2"/>
+          </a:lnRef>
+          <a:fillRef idx="0">
+            <a:schemeClr val="accent2"/>
+          </a:fillRef>
+          <a:effectRef idx="2">
+            <a:schemeClr val="accent2"/>
+          </a:effectRef>
+          <a:fontRef idx="minor">
+            <a:schemeClr val="tx1"/>
+          </a:fontRef>
+        </p:style>
+      </p:cxnSp>
+      <p:cxnSp>
+        <p:nvCxnSpPr>
+          <p:cNvPr id="12" name="直線單箭頭接點 11"/>
+          <p:cNvCxnSpPr/>
+          <p:nvPr/>
+        </p:nvCxnSpPr>
+        <p:spPr bwMode="auto">
+          <a:xfrm flipV="1">
+            <a:off x="2618509" y="4398229"/>
+            <a:ext cx="6774873" cy="817654"/>
+          </a:xfrm>
+          <a:prstGeom prst="straightConnector1">
+            <a:avLst/>
+          </a:prstGeom>
+          <a:ln>
+            <a:headEnd type="none" w="med" len="med"/>
+            <a:tailEnd type="triangle"/>
+          </a:ln>
+          <a:extLst/>
+        </p:spPr>
+        <p:style>
+          <a:lnRef idx="3">
+            <a:schemeClr val="accent2"/>
+          </a:lnRef>
+          <a:fillRef idx="0">
+            <a:schemeClr val="accent2"/>
+          </a:fillRef>
+          <a:effectRef idx="2">
+            <a:schemeClr val="accent2"/>
+          </a:effectRef>
+          <a:fontRef idx="minor">
+            <a:schemeClr val="tx1"/>
+          </a:fontRef>
+        </p:style>
+      </p:cxnSp>
+      <p:sp>
+        <p:nvSpPr>
+          <p:cNvPr id="15" name="文字方塊 14"/>
+          <p:cNvSpPr txBox="1"/>
+          <p:nvPr/>
+        </p:nvSpPr>
+        <p:spPr>
+          <a:xfrm>
+            <a:off x="900546" y="1581388"/>
+            <a:ext cx="1898072" cy="338554"/>
+          </a:xfrm>
+          <a:prstGeom prst="rect">
+            <a:avLst/>
+          </a:prstGeom>
+          <a:noFill/>
+        </p:spPr>
+        <p:txBody>
+          <a:bodyPr wrap="square" rtlCol="0">
+            <a:spAutoFit/>
+          </a:bodyPr>
+          <a:lstStyle/>
+          <a:p>
+            <a:r>
+              <a:rPr lang="en-US" altLang="zh-TW" sz="1600" dirty="0">
+                <a:solidFill>
+                  <a:schemeClr val="bg2">
+                    <a:lumMod val="50000"/>
+                  </a:schemeClr>
+                </a:solidFill>
+              </a:rPr>
+              <a:t>Test Case Selection</a:t>
+            </a:r>
+            <a:endParaRPr lang="zh-TW" altLang="en-US" sz="1600" dirty="0"/>
+          </a:p>
+        </p:txBody>
+      </p:sp>
+      <p:sp>
+        <p:nvSpPr>
+          <p:cNvPr id="16" name="文字方塊 15"/>
+          <p:cNvSpPr txBox="1"/>
+          <p:nvPr/>
+        </p:nvSpPr>
+        <p:spPr>
+          <a:xfrm>
+            <a:off x="837231" y="2406140"/>
+            <a:ext cx="1898072" cy="338554"/>
+          </a:xfrm>
+          <a:prstGeom prst="rect">
+            <a:avLst/>
+          </a:prstGeom>
+          <a:noFill/>
+        </p:spPr>
+        <p:txBody>
+          <a:bodyPr wrap="square" rtlCol="0">
+            <a:spAutoFit/>
+          </a:bodyPr>
+          <a:lstStyle/>
+          <a:p>
+            <a:r>
+              <a:rPr lang="en-US" altLang="zh-TW" sz="1600" dirty="0" smtClean="0">
+                <a:solidFill>
+                  <a:schemeClr val="bg2">
+                    <a:lumMod val="50000"/>
+                  </a:schemeClr>
+                </a:solidFill>
+              </a:rPr>
+              <a:t>Configure Setup</a:t>
+            </a:r>
+            <a:endParaRPr lang="zh-TW" altLang="en-US" sz="1600" dirty="0"/>
+          </a:p>
+        </p:txBody>
+      </p:sp>
+      <p:sp>
+        <p:nvSpPr>
+          <p:cNvPr id="17" name="文字方塊 16"/>
+          <p:cNvSpPr txBox="1"/>
+          <p:nvPr/>
+        </p:nvSpPr>
+        <p:spPr>
+          <a:xfrm>
+            <a:off x="848100" y="3938099"/>
+            <a:ext cx="2196930" cy="338554"/>
+          </a:xfrm>
+          <a:prstGeom prst="rect">
+            <a:avLst/>
+          </a:prstGeom>
+          <a:noFill/>
+        </p:spPr>
+        <p:txBody>
+          <a:bodyPr wrap="square" rtlCol="0">
+            <a:spAutoFit/>
+          </a:bodyPr>
+          <a:lstStyle/>
+          <a:p>
+            <a:r>
+              <a:rPr lang="en-US" altLang="zh-TW" sz="1600" dirty="0">
+                <a:solidFill>
+                  <a:schemeClr val="bg2">
+                    <a:lumMod val="50000"/>
+                  </a:schemeClr>
+                </a:solidFill>
+              </a:rPr>
+              <a:t>BMC </a:t>
+            </a:r>
+            <a:r>
+              <a:rPr lang="en-US" altLang="zh-TW" sz="1600" dirty="0">
+                <a:solidFill>
+                  <a:schemeClr val="bg2">
+                    <a:lumMod val="50000"/>
+                  </a:schemeClr>
+                </a:solidFill>
+              </a:rPr>
+              <a:t>Connection</a:t>
+            </a:r>
+            <a:r>
+              <a:rPr lang="en-US" altLang="zh-TW" sz="1600" dirty="0">
+                <a:solidFill>
+                  <a:schemeClr val="bg2">
+                    <a:lumMod val="50000"/>
+                  </a:schemeClr>
+                </a:solidFill>
+              </a:rPr>
+              <a:t> Check</a:t>
+            </a:r>
+            <a:endParaRPr lang="zh-TW" altLang="en-US" sz="1600" dirty="0">
+              <a:solidFill>
+                <a:schemeClr val="bg2">
+                  <a:lumMod val="50000"/>
+                </a:schemeClr>
+              </a:solidFill>
+            </a:endParaRPr>
+          </a:p>
+        </p:txBody>
+      </p:sp>
+      <p:sp>
+        <p:nvSpPr>
+          <p:cNvPr id="21" name="文字方塊 20"/>
+          <p:cNvSpPr txBox="1"/>
+          <p:nvPr/>
+        </p:nvSpPr>
+        <p:spPr>
+          <a:xfrm>
+            <a:off x="1231280" y="5046606"/>
+            <a:ext cx="2573960" cy="338554"/>
+          </a:xfrm>
+          <a:prstGeom prst="rect">
+            <a:avLst/>
+          </a:prstGeom>
+          <a:noFill/>
+        </p:spPr>
+        <p:txBody>
+          <a:bodyPr wrap="square" rtlCol="0">
+            <a:spAutoFit/>
+          </a:bodyPr>
+          <a:lstStyle/>
+          <a:p>
+            <a:r>
+              <a:rPr lang="en-US" altLang="zh-TW" sz="1600" dirty="0" smtClean="0">
+                <a:solidFill>
+                  <a:schemeClr val="bg2">
+                    <a:lumMod val="50000"/>
+                  </a:schemeClr>
+                </a:solidFill>
+              </a:rPr>
+              <a:t>Start Test</a:t>
+            </a:r>
+            <a:endParaRPr lang="zh-TW" altLang="en-US" sz="1600" dirty="0">
+              <a:solidFill>
+                <a:schemeClr val="bg2">
+                  <a:lumMod val="50000"/>
+                </a:schemeClr>
+              </a:solidFill>
+            </a:endParaRPr>
+          </a:p>
+        </p:txBody>
+      </p:sp>
     </p:spTree>
     <p:extLst>
       <p:ext uri="{BB962C8B-B14F-4D97-AF65-F5344CB8AC3E}">
@@ -9948,7 +10726,7 @@
         </p:blipFill>
         <p:spPr>
           <a:xfrm>
-            <a:off x="1103167" y="1212730"/>
+            <a:off x="1873178" y="1210022"/>
             <a:ext cx="9786505" cy="5189124"/>
           </a:xfrm>
           <a:prstGeom prst="rect">

--- a/Robot Framework Introduction.pptx
+++ b/Robot Framework Introduction.pptx
@@ -217,7 +217,7 @@
           <a:p>
             <a:fld id="{1D5062FB-B95A-4644-9A30-B100FEF0F6A8}" type="datetimeFigureOut">
               <a:rPr lang="zh-TW" altLang="en-US" smtClean="0"/>
-              <a:t>2022/5/14</a:t>
+              <a:t>2022/5/16</a:t>
             </a:fld>
             <a:endParaRPr lang="zh-TW" altLang="en-US"/>
           </a:p>
@@ -959,7 +959,7 @@
           <a:p>
             <a:fld id="{72B5D3BC-F757-48B9-8C46-E5D85737C701}" type="datetimeFigureOut">
               <a:rPr lang="zh-TW" altLang="en-US" smtClean="0"/>
-              <a:t>2022/5/14</a:t>
+              <a:t>2022/5/16</a:t>
             </a:fld>
             <a:endParaRPr lang="zh-TW" altLang="en-US"/>
           </a:p>
@@ -1054,7 +1054,7 @@
           <a:p>
             <a:fld id="{72B5D3BC-F757-48B9-8C46-E5D85737C701}" type="datetimeFigureOut">
               <a:rPr lang="zh-TW" altLang="en-US" smtClean="0"/>
-              <a:t>2022/5/14</a:t>
+              <a:t>2022/5/16</a:t>
             </a:fld>
             <a:endParaRPr lang="zh-TW" altLang="en-US"/>
           </a:p>
@@ -1618,7 +1618,7 @@
           <a:p>
             <a:fld id="{72B5D3BC-F757-48B9-8C46-E5D85737C701}" type="datetimeFigureOut">
               <a:rPr lang="zh-TW" altLang="en-US" smtClean="0"/>
-              <a:t>2022/5/14</a:t>
+              <a:t>2022/5/16</a:t>
             </a:fld>
             <a:endParaRPr lang="zh-TW" altLang="en-US"/>
           </a:p>
@@ -2196,7 +2196,7 @@
           <a:p>
             <a:fld id="{72B5D3BC-F757-48B9-8C46-E5D85737C701}" type="datetimeFigureOut">
               <a:rPr lang="zh-TW" altLang="en-US" smtClean="0"/>
-              <a:t>2022/5/14</a:t>
+              <a:t>2022/5/16</a:t>
             </a:fld>
             <a:endParaRPr lang="zh-TW" altLang="en-US"/>
           </a:p>
@@ -2547,7 +2547,7 @@
           <a:p>
             <a:fld id="{72B5D3BC-F757-48B9-8C46-E5D85737C701}" type="datetimeFigureOut">
               <a:rPr lang="zh-TW" altLang="en-US" smtClean="0"/>
-              <a:t>2022/5/14</a:t>
+              <a:t>2022/5/16</a:t>
             </a:fld>
             <a:endParaRPr lang="zh-TW" altLang="en-US"/>
           </a:p>
@@ -2881,7 +2881,7 @@
           <a:p>
             <a:fld id="{72B5D3BC-F757-48B9-8C46-E5D85737C701}" type="datetimeFigureOut">
               <a:rPr lang="zh-TW" altLang="en-US" smtClean="0"/>
-              <a:t>2022/5/14</a:t>
+              <a:t>2022/5/16</a:t>
             </a:fld>
             <a:endParaRPr lang="zh-TW" altLang="en-US"/>
           </a:p>
@@ -3076,7 +3076,7 @@
           <a:p>
             <a:fld id="{72B5D3BC-F757-48B9-8C46-E5D85737C701}" type="datetimeFigureOut">
               <a:rPr lang="zh-TW" altLang="en-US" smtClean="0"/>
-              <a:t>2022/5/14</a:t>
+              <a:t>2022/5/16</a:t>
             </a:fld>
             <a:endParaRPr lang="zh-TW" altLang="en-US"/>
           </a:p>
@@ -3348,7 +3348,7 @@
           <a:p>
             <a:fld id="{72B5D3BC-F757-48B9-8C46-E5D85737C701}" type="datetimeFigureOut">
               <a:rPr lang="zh-TW" altLang="en-US" smtClean="0"/>
-              <a:t>2022/5/14</a:t>
+              <a:t>2022/5/16</a:t>
             </a:fld>
             <a:endParaRPr lang="zh-TW" altLang="en-US"/>
           </a:p>
@@ -3543,7 +3543,7 @@
           <a:p>
             <a:fld id="{72B5D3BC-F757-48B9-8C46-E5D85737C701}" type="datetimeFigureOut">
               <a:rPr lang="zh-TW" altLang="en-US" smtClean="0"/>
-              <a:t>2022/5/14</a:t>
+              <a:t>2022/5/16</a:t>
             </a:fld>
             <a:endParaRPr lang="zh-TW" altLang="en-US"/>
           </a:p>
@@ -3798,7 +3798,7 @@
           <a:p>
             <a:fld id="{72B5D3BC-F757-48B9-8C46-E5D85737C701}" type="datetimeFigureOut">
               <a:rPr lang="zh-TW" altLang="en-US" smtClean="0"/>
-              <a:t>2022/5/14</a:t>
+              <a:t>2022/5/16</a:t>
             </a:fld>
             <a:endParaRPr lang="zh-TW" altLang="en-US"/>
           </a:p>
@@ -4744,7 +4744,7 @@
           <a:p>
             <a:fld id="{72B5D3BC-F757-48B9-8C46-E5D85737C701}" type="datetimeFigureOut">
               <a:rPr lang="zh-TW" altLang="en-US" smtClean="0"/>
-              <a:t>2022/5/14</a:t>
+              <a:t>2022/5/16</a:t>
             </a:fld>
             <a:endParaRPr lang="zh-TW" altLang="en-US"/>
           </a:p>
@@ -5768,7 +5768,7 @@
           <a:p>
             <a:fld id="{72B5D3BC-F757-48B9-8C46-E5D85737C701}" type="datetimeFigureOut">
               <a:rPr lang="zh-TW" altLang="en-US" smtClean="0"/>
-              <a:t>2022/5/14</a:t>
+              <a:t>2022/5/16</a:t>
             </a:fld>
             <a:endParaRPr lang="zh-TW" altLang="en-US"/>
           </a:p>
@@ -6033,7 +6033,7 @@
           <a:p>
             <a:fld id="{72B5D3BC-F757-48B9-8C46-E5D85737C701}" type="datetimeFigureOut">
               <a:rPr lang="zh-TW" altLang="en-US" smtClean="0"/>
-              <a:t>2022/5/14</a:t>
+              <a:t>2022/5/16</a:t>
             </a:fld>
             <a:endParaRPr lang="zh-TW" altLang="en-US"/>
           </a:p>
@@ -6407,7 +6407,7 @@
           <a:p>
             <a:fld id="{72B5D3BC-F757-48B9-8C46-E5D85737C701}" type="datetimeFigureOut">
               <a:rPr lang="zh-TW" altLang="en-US" smtClean="0"/>
-              <a:t>2022/5/14</a:t>
+              <a:t>2022/5/16</a:t>
             </a:fld>
             <a:endParaRPr lang="zh-TW" altLang="en-US"/>
           </a:p>
@@ -10426,27 +10426,7 @@
                   </a:schemeClr>
                 </a:solidFill>
               </a:rPr>
-              <a:t>BMC </a:t>
-            </a:r>
-            <a:r>
-              <a:rPr lang="en-US" altLang="zh-TW" sz="1600" dirty="0">
-                <a:solidFill>
-                  <a:schemeClr val="bg2">
-                    <a:lumMod val="50000"/>
-                  </a:schemeClr>
-                </a:solidFill>
-              </a:rPr>
-              <a:t>Connection</a:t>
-            </a:r>
-            <a:r>
-              <a:rPr lang="en-US" altLang="zh-TW" sz="1600" dirty="0">
-                <a:solidFill>
-                  <a:schemeClr val="bg2">
-                    <a:lumMod val="50000"/>
-                  </a:schemeClr>
-                </a:solidFill>
-              </a:rPr>
-              <a:t> Check</a:t>
+              <a:t>BMC Connection Check</a:t>
             </a:r>
             <a:endParaRPr lang="zh-TW" altLang="en-US" sz="1600" dirty="0">
               <a:solidFill>
@@ -11777,7 +11757,7 @@
         <p:spPr>
           <a:xfrm>
             <a:off x="1232279" y="740743"/>
-            <a:ext cx="8352928" cy="5693866"/>
+            <a:ext cx="8352928" cy="4770537"/>
           </a:xfrm>
           <a:prstGeom prst="rect">
             <a:avLst/>
@@ -11898,33 +11878,6 @@
               <a:t>determination</a:t>
             </a:r>
             <a:endParaRPr lang="en-US" altLang="zh-TW" sz="2000" dirty="0"/>
-          </a:p>
-          <a:p>
-            <a:pPr marL="742950" lvl="1" indent="-285750">
-              <a:lnSpc>
-                <a:spcPct val="150000"/>
-              </a:lnSpc>
-              <a:buFont typeface="Arial" panose="020B0604020202020204" pitchFamily="34" charset="0"/>
-              <a:buChar char="•"/>
-            </a:pPr>
-            <a:r>
-              <a:rPr lang="en-US" altLang="zh-TW" sz="2000" dirty="0" smtClean="0"/>
-              <a:t>Selenium2Library</a:t>
-            </a:r>
-            <a:endParaRPr lang="en-US" altLang="zh-TW" sz="2000" dirty="0"/>
-          </a:p>
-          <a:p>
-            <a:pPr marL="1200150" lvl="2" indent="-285750">
-              <a:lnSpc>
-                <a:spcPct val="150000"/>
-              </a:lnSpc>
-              <a:buFont typeface="Wingdings" panose="05000000000000000000" pitchFamily="2" charset="2"/>
-              <a:buChar char="ü"/>
-            </a:pPr>
-            <a:r>
-              <a:rPr lang="en-US" altLang="zh-TW" sz="2000" dirty="0"/>
-              <a:t>For Web GUI automation test control (Web motion control)</a:t>
-            </a:r>
           </a:p>
           <a:p>
             <a:pPr marL="742950" lvl="1" indent="-285750">
